--- a/labs/lab2/figures/figures.pptx
+++ b/labs/lab2/figures/figures.pptx
@@ -6,6 +6,9 @@
   </p:sldMasterIdLst>
   <p:sldIdLst>
     <p:sldId id="256" r:id="rId2"/>
+    <p:sldId id="257" r:id="rId3"/>
+    <p:sldId id="258" r:id="rId4"/>
+    <p:sldId id="259" r:id="rId5"/>
   </p:sldIdLst>
   <p:sldSz cx="12192000" cy="6858000"/>
   <p:notesSz cx="6858000" cy="9144000"/>
@@ -270,7 +273,7 @@
           <a:p>
             <a:fld id="{DF293842-4C5C-4913-98CA-BC1D9FB1BA49}" type="datetimeFigureOut">
               <a:rPr lang="en-US" smtClean="0"/>
-              <a:t>3/30/2019</a:t>
+              <a:t>3/28/2022</a:t>
             </a:fld>
             <a:endParaRPr lang="en-US"/>
           </a:p>
@@ -468,7 +471,7 @@
           <a:p>
             <a:fld id="{DF293842-4C5C-4913-98CA-BC1D9FB1BA49}" type="datetimeFigureOut">
               <a:rPr lang="en-US" smtClean="0"/>
-              <a:t>3/30/2019</a:t>
+              <a:t>3/28/2022</a:t>
             </a:fld>
             <a:endParaRPr lang="en-US"/>
           </a:p>
@@ -676,7 +679,7 @@
           <a:p>
             <a:fld id="{DF293842-4C5C-4913-98CA-BC1D9FB1BA49}" type="datetimeFigureOut">
               <a:rPr lang="en-US" smtClean="0"/>
-              <a:t>3/30/2019</a:t>
+              <a:t>3/28/2022</a:t>
             </a:fld>
             <a:endParaRPr lang="en-US"/>
           </a:p>
@@ -874,7 +877,7 @@
           <a:p>
             <a:fld id="{DF293842-4C5C-4913-98CA-BC1D9FB1BA49}" type="datetimeFigureOut">
               <a:rPr lang="en-US" smtClean="0"/>
-              <a:t>3/30/2019</a:t>
+              <a:t>3/28/2022</a:t>
             </a:fld>
             <a:endParaRPr lang="en-US"/>
           </a:p>
@@ -1149,7 +1152,7 @@
           <a:p>
             <a:fld id="{DF293842-4C5C-4913-98CA-BC1D9FB1BA49}" type="datetimeFigureOut">
               <a:rPr lang="en-US" smtClean="0"/>
-              <a:t>3/30/2019</a:t>
+              <a:t>3/28/2022</a:t>
             </a:fld>
             <a:endParaRPr lang="en-US"/>
           </a:p>
@@ -1414,7 +1417,7 @@
           <a:p>
             <a:fld id="{DF293842-4C5C-4913-98CA-BC1D9FB1BA49}" type="datetimeFigureOut">
               <a:rPr lang="en-US" smtClean="0"/>
-              <a:t>3/30/2019</a:t>
+              <a:t>3/28/2022</a:t>
             </a:fld>
             <a:endParaRPr lang="en-US"/>
           </a:p>
@@ -1826,7 +1829,7 @@
           <a:p>
             <a:fld id="{DF293842-4C5C-4913-98CA-BC1D9FB1BA49}" type="datetimeFigureOut">
               <a:rPr lang="en-US" smtClean="0"/>
-              <a:t>3/30/2019</a:t>
+              <a:t>3/28/2022</a:t>
             </a:fld>
             <a:endParaRPr lang="en-US"/>
           </a:p>
@@ -1967,7 +1970,7 @@
           <a:p>
             <a:fld id="{DF293842-4C5C-4913-98CA-BC1D9FB1BA49}" type="datetimeFigureOut">
               <a:rPr lang="en-US" smtClean="0"/>
-              <a:t>3/30/2019</a:t>
+              <a:t>3/28/2022</a:t>
             </a:fld>
             <a:endParaRPr lang="en-US"/>
           </a:p>
@@ -2080,7 +2083,7 @@
           <a:p>
             <a:fld id="{DF293842-4C5C-4913-98CA-BC1D9FB1BA49}" type="datetimeFigureOut">
               <a:rPr lang="en-US" smtClean="0"/>
-              <a:t>3/30/2019</a:t>
+              <a:t>3/28/2022</a:t>
             </a:fld>
             <a:endParaRPr lang="en-US"/>
           </a:p>
@@ -2391,7 +2394,7 @@
           <a:p>
             <a:fld id="{DF293842-4C5C-4913-98CA-BC1D9FB1BA49}" type="datetimeFigureOut">
               <a:rPr lang="en-US" smtClean="0"/>
-              <a:t>3/30/2019</a:t>
+              <a:t>3/28/2022</a:t>
             </a:fld>
             <a:endParaRPr lang="en-US"/>
           </a:p>
@@ -2679,7 +2682,7 @@
           <a:p>
             <a:fld id="{DF293842-4C5C-4913-98CA-BC1D9FB1BA49}" type="datetimeFigureOut">
               <a:rPr lang="en-US" smtClean="0"/>
-              <a:t>3/30/2019</a:t>
+              <a:t>3/28/2022</a:t>
             </a:fld>
             <a:endParaRPr lang="en-US"/>
           </a:p>
@@ -2920,7 +2923,7 @@
           <a:p>
             <a:fld id="{DF293842-4C5C-4913-98CA-BC1D9FB1BA49}" type="datetimeFigureOut">
               <a:rPr lang="en-US" smtClean="0"/>
-              <a:t>3/30/2019</a:t>
+              <a:t>3/28/2022</a:t>
             </a:fld>
             <a:endParaRPr lang="en-US"/>
           </a:p>
@@ -4157,6 +4160,497 @@
 </p:sld>
 </file>
 
+<file path=ppt/slides/slide2.xml><?xml version="1.0" encoding="utf-8"?>
+<p:sld xmlns:a="http://schemas.openxmlformats.org/drawingml/2006/main" xmlns:r="http://schemas.openxmlformats.org/officeDocument/2006/relationships" xmlns:p="http://schemas.openxmlformats.org/presentationml/2006/main">
+  <p:cSld>
+    <p:spTree>
+      <p:nvGrpSpPr>
+        <p:cNvPr id="1" name=""/>
+        <p:cNvGrpSpPr/>
+        <p:nvPr/>
+      </p:nvGrpSpPr>
+      <p:grpSpPr>
+        <a:xfrm>
+          <a:off x="0" y="0"/>
+          <a:ext cx="0" cy="0"/>
+          <a:chOff x="0" y="0"/>
+          <a:chExt cx="0" cy="0"/>
+        </a:xfrm>
+      </p:grpSpPr>
+      <p:pic>
+        <p:nvPicPr>
+          <p:cNvPr id="3" name="Picture 2">
+            <a:extLst>
+              <a:ext uri="{FF2B5EF4-FFF2-40B4-BE49-F238E27FC236}">
+                <a16:creationId xmlns:a16="http://schemas.microsoft.com/office/drawing/2014/main" id="{99732DC8-F86B-48E9-B048-9DB5C74B7D54}"/>
+              </a:ext>
+            </a:extLst>
+          </p:cNvPr>
+          <p:cNvPicPr>
+            <a:picLocks noChangeAspect="1"/>
+          </p:cNvPicPr>
+          <p:nvPr/>
+        </p:nvPicPr>
+        <p:blipFill>
+          <a:blip r:embed="rId2"/>
+          <a:stretch>
+            <a:fillRect/>
+          </a:stretch>
+        </p:blipFill>
+        <p:spPr>
+          <a:xfrm>
+            <a:off x="998161" y="505764"/>
+            <a:ext cx="8031830" cy="3012530"/>
+          </a:xfrm>
+          <a:prstGeom prst="rect">
+            <a:avLst/>
+          </a:prstGeom>
+        </p:spPr>
+      </p:pic>
+      <p:sp>
+        <p:nvSpPr>
+          <p:cNvPr id="5" name="Oval 4">
+            <a:extLst>
+              <a:ext uri="{FF2B5EF4-FFF2-40B4-BE49-F238E27FC236}">
+                <a16:creationId xmlns:a16="http://schemas.microsoft.com/office/drawing/2014/main" id="{4E355DA9-154E-4218-8781-8613DB54B549}"/>
+              </a:ext>
+            </a:extLst>
+          </p:cNvPr>
+          <p:cNvSpPr/>
+          <p:nvPr/>
+        </p:nvSpPr>
+        <p:spPr>
+          <a:xfrm>
+            <a:off x="4056926" y="1342663"/>
+            <a:ext cx="769098" cy="342116"/>
+          </a:xfrm>
+          <a:prstGeom prst="ellipse">
+            <a:avLst/>
+          </a:prstGeom>
+          <a:noFill/>
+          <a:ln w="38100">
+            <a:solidFill>
+              <a:srgbClr val="FF0000"/>
+            </a:solidFill>
+          </a:ln>
+        </p:spPr>
+        <p:style>
+          <a:lnRef idx="2">
+            <a:schemeClr val="accent1">
+              <a:shade val="50000"/>
+            </a:schemeClr>
+          </a:lnRef>
+          <a:fillRef idx="1">
+            <a:schemeClr val="accent1"/>
+          </a:fillRef>
+          <a:effectRef idx="0">
+            <a:schemeClr val="accent1"/>
+          </a:effectRef>
+          <a:fontRef idx="minor">
+            <a:schemeClr val="lt1"/>
+          </a:fontRef>
+        </p:style>
+        <p:txBody>
+          <a:bodyPr rtlCol="0" anchor="ctr"/>
+          <a:lstStyle/>
+          <a:p>
+            <a:pPr algn="ctr"/>
+            <a:endParaRPr lang="en-US"/>
+          </a:p>
+        </p:txBody>
+      </p:sp>
+      <p:sp>
+        <p:nvSpPr>
+          <p:cNvPr id="6" name="Arrow: Down 5">
+            <a:extLst>
+              <a:ext uri="{FF2B5EF4-FFF2-40B4-BE49-F238E27FC236}">
+                <a16:creationId xmlns:a16="http://schemas.microsoft.com/office/drawing/2014/main" id="{01A496D2-FB49-4F03-8A57-12E62756A48E}"/>
+              </a:ext>
+            </a:extLst>
+          </p:cNvPr>
+          <p:cNvSpPr/>
+          <p:nvPr/>
+        </p:nvSpPr>
+        <p:spPr>
+          <a:xfrm>
+            <a:off x="4163682" y="755249"/>
+            <a:ext cx="555585" cy="503498"/>
+          </a:xfrm>
+          <a:prstGeom prst="downArrow">
+            <a:avLst/>
+          </a:prstGeom>
+          <a:solidFill>
+            <a:srgbClr val="FF0000"/>
+          </a:solidFill>
+          <a:ln>
+            <a:noFill/>
+          </a:ln>
+        </p:spPr>
+        <p:style>
+          <a:lnRef idx="2">
+            <a:schemeClr val="accent1">
+              <a:shade val="50000"/>
+            </a:schemeClr>
+          </a:lnRef>
+          <a:fillRef idx="1">
+            <a:schemeClr val="accent1"/>
+          </a:fillRef>
+          <a:effectRef idx="0">
+            <a:schemeClr val="accent1"/>
+          </a:effectRef>
+          <a:fontRef idx="minor">
+            <a:schemeClr val="lt1"/>
+          </a:fontRef>
+        </p:style>
+        <p:txBody>
+          <a:bodyPr rtlCol="0" anchor="ctr"/>
+          <a:lstStyle/>
+          <a:p>
+            <a:pPr algn="ctr"/>
+            <a:endParaRPr lang="en-US"/>
+          </a:p>
+        </p:txBody>
+      </p:sp>
+    </p:spTree>
+    <p:extLst>
+      <p:ext uri="{BB962C8B-B14F-4D97-AF65-F5344CB8AC3E}">
+        <p14:creationId xmlns:p14="http://schemas.microsoft.com/office/powerpoint/2010/main" val="2540856310"/>
+      </p:ext>
+    </p:extLst>
+  </p:cSld>
+  <p:clrMapOvr>
+    <a:masterClrMapping/>
+  </p:clrMapOvr>
+</p:sld>
+</file>
+
+<file path=ppt/slides/slide3.xml><?xml version="1.0" encoding="utf-8"?>
+<p:sld xmlns:a="http://schemas.openxmlformats.org/drawingml/2006/main" xmlns:r="http://schemas.openxmlformats.org/officeDocument/2006/relationships" xmlns:p="http://schemas.openxmlformats.org/presentationml/2006/main">
+  <p:cSld>
+    <p:spTree>
+      <p:nvGrpSpPr>
+        <p:cNvPr id="1" name=""/>
+        <p:cNvGrpSpPr/>
+        <p:nvPr/>
+      </p:nvGrpSpPr>
+      <p:grpSpPr>
+        <a:xfrm>
+          <a:off x="0" y="0"/>
+          <a:ext cx="0" cy="0"/>
+          <a:chOff x="0" y="0"/>
+          <a:chExt cx="0" cy="0"/>
+        </a:xfrm>
+      </p:grpSpPr>
+      <p:pic>
+        <p:nvPicPr>
+          <p:cNvPr id="4" name="Picture 3">
+            <a:extLst>
+              <a:ext uri="{FF2B5EF4-FFF2-40B4-BE49-F238E27FC236}">
+                <a16:creationId xmlns:a16="http://schemas.microsoft.com/office/drawing/2014/main" id="{C514E329-D2AF-42A1-AAF3-53E3892AA110}"/>
+              </a:ext>
+            </a:extLst>
+          </p:cNvPr>
+          <p:cNvPicPr>
+            <a:picLocks noChangeAspect="1"/>
+          </p:cNvPicPr>
+          <p:nvPr/>
+        </p:nvPicPr>
+        <p:blipFill rotWithShape="1">
+          <a:blip r:embed="rId2"/>
+          <a:srcRect t="24136"/>
+          <a:stretch/>
+        </p:blipFill>
+        <p:spPr>
+          <a:xfrm>
+            <a:off x="1675998" y="1684779"/>
+            <a:ext cx="5530951" cy="3375831"/>
+          </a:xfrm>
+          <a:prstGeom prst="rect">
+            <a:avLst/>
+          </a:prstGeom>
+        </p:spPr>
+      </p:pic>
+      <p:sp>
+        <p:nvSpPr>
+          <p:cNvPr id="5" name="Oval 4">
+            <a:extLst>
+              <a:ext uri="{FF2B5EF4-FFF2-40B4-BE49-F238E27FC236}">
+                <a16:creationId xmlns:a16="http://schemas.microsoft.com/office/drawing/2014/main" id="{AEA6EF94-BC54-4404-B172-1E75F2A3DDBC}"/>
+              </a:ext>
+            </a:extLst>
+          </p:cNvPr>
+          <p:cNvSpPr/>
+          <p:nvPr/>
+        </p:nvSpPr>
+        <p:spPr>
+          <a:xfrm>
+            <a:off x="3672375" y="1684779"/>
+            <a:ext cx="769098" cy="342116"/>
+          </a:xfrm>
+          <a:prstGeom prst="ellipse">
+            <a:avLst/>
+          </a:prstGeom>
+          <a:noFill/>
+          <a:ln w="38100">
+            <a:solidFill>
+              <a:srgbClr val="FF0000"/>
+            </a:solidFill>
+          </a:ln>
+        </p:spPr>
+        <p:style>
+          <a:lnRef idx="2">
+            <a:schemeClr val="accent1">
+              <a:shade val="50000"/>
+            </a:schemeClr>
+          </a:lnRef>
+          <a:fillRef idx="1">
+            <a:schemeClr val="accent1"/>
+          </a:fillRef>
+          <a:effectRef idx="0">
+            <a:schemeClr val="accent1"/>
+          </a:effectRef>
+          <a:fontRef idx="minor">
+            <a:schemeClr val="lt1"/>
+          </a:fontRef>
+        </p:style>
+        <p:txBody>
+          <a:bodyPr rtlCol="0" anchor="ctr"/>
+          <a:lstStyle/>
+          <a:p>
+            <a:pPr algn="ctr"/>
+            <a:endParaRPr lang="en-US"/>
+          </a:p>
+        </p:txBody>
+      </p:sp>
+      <p:sp>
+        <p:nvSpPr>
+          <p:cNvPr id="6" name="Arrow: Down 5">
+            <a:extLst>
+              <a:ext uri="{FF2B5EF4-FFF2-40B4-BE49-F238E27FC236}">
+                <a16:creationId xmlns:a16="http://schemas.microsoft.com/office/drawing/2014/main" id="{299AF863-2534-4FEC-8A13-0B17E414C4F5}"/>
+              </a:ext>
+            </a:extLst>
+          </p:cNvPr>
+          <p:cNvSpPr/>
+          <p:nvPr/>
+        </p:nvSpPr>
+        <p:spPr>
+          <a:xfrm rot="16200000">
+            <a:off x="3023576" y="1604088"/>
+            <a:ext cx="555585" cy="503498"/>
+          </a:xfrm>
+          <a:prstGeom prst="downArrow">
+            <a:avLst/>
+          </a:prstGeom>
+          <a:solidFill>
+            <a:srgbClr val="FF0000"/>
+          </a:solidFill>
+          <a:ln>
+            <a:noFill/>
+          </a:ln>
+        </p:spPr>
+        <p:style>
+          <a:lnRef idx="2">
+            <a:schemeClr val="accent1">
+              <a:shade val="50000"/>
+            </a:schemeClr>
+          </a:lnRef>
+          <a:fillRef idx="1">
+            <a:schemeClr val="accent1"/>
+          </a:fillRef>
+          <a:effectRef idx="0">
+            <a:schemeClr val="accent1"/>
+          </a:effectRef>
+          <a:fontRef idx="minor">
+            <a:schemeClr val="lt1"/>
+          </a:fontRef>
+        </p:style>
+        <p:txBody>
+          <a:bodyPr rtlCol="0" anchor="ctr"/>
+          <a:lstStyle/>
+          <a:p>
+            <a:pPr algn="ctr"/>
+            <a:endParaRPr lang="en-US"/>
+          </a:p>
+        </p:txBody>
+      </p:sp>
+    </p:spTree>
+    <p:extLst>
+      <p:ext uri="{BB962C8B-B14F-4D97-AF65-F5344CB8AC3E}">
+        <p14:creationId xmlns:p14="http://schemas.microsoft.com/office/powerpoint/2010/main" val="3975981421"/>
+      </p:ext>
+    </p:extLst>
+  </p:cSld>
+  <p:clrMapOvr>
+    <a:masterClrMapping/>
+  </p:clrMapOvr>
+</p:sld>
+</file>
+
+<file path=ppt/slides/slide4.xml><?xml version="1.0" encoding="utf-8"?>
+<p:sld xmlns:a="http://schemas.openxmlformats.org/drawingml/2006/main" xmlns:r="http://schemas.openxmlformats.org/officeDocument/2006/relationships" xmlns:p="http://schemas.openxmlformats.org/presentationml/2006/main">
+  <p:cSld>
+    <p:spTree>
+      <p:nvGrpSpPr>
+        <p:cNvPr id="1" name=""/>
+        <p:cNvGrpSpPr/>
+        <p:nvPr/>
+      </p:nvGrpSpPr>
+      <p:grpSpPr>
+        <a:xfrm>
+          <a:off x="0" y="0"/>
+          <a:ext cx="0" cy="0"/>
+          <a:chOff x="0" y="0"/>
+          <a:chExt cx="0" cy="0"/>
+        </a:xfrm>
+      </p:grpSpPr>
+      <p:pic>
+        <p:nvPicPr>
+          <p:cNvPr id="6" name="Picture 5">
+            <a:extLst>
+              <a:ext uri="{FF2B5EF4-FFF2-40B4-BE49-F238E27FC236}">
+                <a16:creationId xmlns:a16="http://schemas.microsoft.com/office/drawing/2014/main" id="{892B48C0-8EC5-422E-9779-AAE86A05A827}"/>
+              </a:ext>
+            </a:extLst>
+          </p:cNvPr>
+          <p:cNvPicPr>
+            <a:picLocks noChangeAspect="1"/>
+          </p:cNvPicPr>
+          <p:nvPr/>
+        </p:nvPicPr>
+        <p:blipFill>
+          <a:blip r:embed="rId2"/>
+          <a:stretch>
+            <a:fillRect/>
+          </a:stretch>
+        </p:blipFill>
+        <p:spPr>
+          <a:xfrm>
+            <a:off x="1814840" y="1665400"/>
+            <a:ext cx="7801484" cy="3071947"/>
+          </a:xfrm>
+          <a:prstGeom prst="rect">
+            <a:avLst/>
+          </a:prstGeom>
+        </p:spPr>
+      </p:pic>
+      <p:sp>
+        <p:nvSpPr>
+          <p:cNvPr id="7" name="Oval 6">
+            <a:extLst>
+              <a:ext uri="{FF2B5EF4-FFF2-40B4-BE49-F238E27FC236}">
+                <a16:creationId xmlns:a16="http://schemas.microsoft.com/office/drawing/2014/main" id="{1C33AA70-9BF4-47C6-9B91-EB08CCAF4F39}"/>
+              </a:ext>
+            </a:extLst>
+          </p:cNvPr>
+          <p:cNvSpPr/>
+          <p:nvPr/>
+        </p:nvSpPr>
+        <p:spPr>
+          <a:xfrm>
+            <a:off x="3435049" y="3792785"/>
+            <a:ext cx="1353336" cy="269664"/>
+          </a:xfrm>
+          <a:prstGeom prst="ellipse">
+            <a:avLst/>
+          </a:prstGeom>
+          <a:noFill/>
+          <a:ln w="38100">
+            <a:solidFill>
+              <a:srgbClr val="FF0000"/>
+            </a:solidFill>
+          </a:ln>
+        </p:spPr>
+        <p:style>
+          <a:lnRef idx="2">
+            <a:schemeClr val="accent1">
+              <a:shade val="50000"/>
+            </a:schemeClr>
+          </a:lnRef>
+          <a:fillRef idx="1">
+            <a:schemeClr val="accent1"/>
+          </a:fillRef>
+          <a:effectRef idx="0">
+            <a:schemeClr val="accent1"/>
+          </a:effectRef>
+          <a:fontRef idx="minor">
+            <a:schemeClr val="lt1"/>
+          </a:fontRef>
+        </p:style>
+        <p:txBody>
+          <a:bodyPr rtlCol="0" anchor="ctr"/>
+          <a:lstStyle/>
+          <a:p>
+            <a:pPr algn="ctr"/>
+            <a:endParaRPr lang="en-US"/>
+          </a:p>
+        </p:txBody>
+      </p:sp>
+      <p:sp>
+        <p:nvSpPr>
+          <p:cNvPr id="8" name="Arrow: Down 7">
+            <a:extLst>
+              <a:ext uri="{FF2B5EF4-FFF2-40B4-BE49-F238E27FC236}">
+                <a16:creationId xmlns:a16="http://schemas.microsoft.com/office/drawing/2014/main" id="{97A65D1F-2F50-4ABA-9A95-12E29F46C8A1}"/>
+              </a:ext>
+            </a:extLst>
+          </p:cNvPr>
+          <p:cNvSpPr/>
+          <p:nvPr/>
+        </p:nvSpPr>
+        <p:spPr>
+          <a:xfrm rot="5400000">
+            <a:off x="4957078" y="3675868"/>
+            <a:ext cx="555585" cy="503498"/>
+          </a:xfrm>
+          <a:prstGeom prst="downArrow">
+            <a:avLst/>
+          </a:prstGeom>
+          <a:solidFill>
+            <a:srgbClr val="FF0000"/>
+          </a:solidFill>
+          <a:ln>
+            <a:noFill/>
+          </a:ln>
+        </p:spPr>
+        <p:style>
+          <a:lnRef idx="2">
+            <a:schemeClr val="accent1">
+              <a:shade val="50000"/>
+            </a:schemeClr>
+          </a:lnRef>
+          <a:fillRef idx="1">
+            <a:schemeClr val="accent1"/>
+          </a:fillRef>
+          <a:effectRef idx="0">
+            <a:schemeClr val="accent1"/>
+          </a:effectRef>
+          <a:fontRef idx="minor">
+            <a:schemeClr val="lt1"/>
+          </a:fontRef>
+        </p:style>
+        <p:txBody>
+          <a:bodyPr rtlCol="0" anchor="ctr"/>
+          <a:lstStyle/>
+          <a:p>
+            <a:pPr algn="ctr"/>
+            <a:endParaRPr lang="en-US"/>
+          </a:p>
+        </p:txBody>
+      </p:sp>
+    </p:spTree>
+    <p:extLst>
+      <p:ext uri="{BB962C8B-B14F-4D97-AF65-F5344CB8AC3E}">
+        <p14:creationId xmlns:p14="http://schemas.microsoft.com/office/powerpoint/2010/main" val="800734998"/>
+      </p:ext>
+    </p:extLst>
+  </p:cSld>
+  <p:clrMapOvr>
+    <a:masterClrMapping/>
+  </p:clrMapOvr>
+</p:sld>
+</file>
+
 <file path=ppt/theme/theme1.xml><?xml version="1.0" encoding="utf-8"?>
 <a:theme xmlns:a="http://schemas.openxmlformats.org/drawingml/2006/main" name="Office Theme">
   <a:themeElements>
